--- a/präsentationen/Meilenstein2_Praesentation_FINAL.pptx
+++ b/präsentationen/Meilenstein2_Praesentation_FINAL.pptx
@@ -280,7 +280,7 @@
           </a:lstStyle>
           <a:p>
             <a:fld id="{75BEE995-72F4-482A-B547-037217EEA661}" type="datetimeFigureOut">
-              <a:t>20.05.2025</a:t>
+              <a:t>21.05.2025</a:t>
             </a:fld>
             <a:endParaRPr lang="de-DE"/>
           </a:p>
@@ -4875,7 +4875,7 @@
           <a:p>
             <a:fld id="{4E96B16B-3D02-421E-9A22-E7AF4889F0FE}" type="datetime1">
               <a:rPr lang="en-US" smtClean="0"/>
-              <a:t>5/20/2025</a:t>
+              <a:t>5/21/2025</a:t>
             </a:fld>
             <a:endParaRPr lang="en-US"/>
           </a:p>
@@ -5077,7 +5077,7 @@
           <a:p>
             <a:fld id="{DB775AC6-EFC6-47B7-8612-9DA8DD25D955}" type="datetime1">
               <a:rPr lang="en-US" smtClean="0"/>
-              <a:t>5/20/2025</a:t>
+              <a:t>5/21/2025</a:t>
             </a:fld>
             <a:endParaRPr lang="en-US"/>
           </a:p>
@@ -5421,7 +5421,7 @@
           <a:p>
             <a:fld id="{6AA36526-50D6-4421-A203-614B20CF2703}" type="datetime1">
               <a:rPr lang="en-US" smtClean="0"/>
-              <a:t>5/20/2025</a:t>
+              <a:t>5/21/2025</a:t>
             </a:fld>
             <a:endParaRPr lang="en-US"/>
           </a:p>
@@ -8669,7 +8669,7 @@
           <a:p>
             <a:fld id="{75E84928-FE16-43B9-BC25-2859501720EA}" type="datetime1">
               <a:rPr lang="en-US" smtClean="0"/>
-              <a:t>5/20/2025</a:t>
+              <a:t>5/21/2025</a:t>
             </a:fld>
             <a:endParaRPr lang="en-US"/>
           </a:p>
@@ -10073,7 +10073,7 @@
           <a:p>
             <a:fld id="{52B94D21-0962-4C08-BB57-BC7507DEE084}" type="datetime1">
               <a:rPr lang="en-US" smtClean="0"/>
-              <a:t>5/20/2025</a:t>
+              <a:t>5/21/2025</a:t>
             </a:fld>
             <a:endParaRPr lang="en-US"/>
           </a:p>
@@ -10526,7 +10526,7 @@
           <a:p>
             <a:fld id="{EF075700-B54E-437C-8A31-0CC21845C39D}" type="datetime1">
               <a:rPr lang="en-US" smtClean="0"/>
-              <a:t>5/20/2025</a:t>
+              <a:t>5/21/2025</a:t>
             </a:fld>
             <a:endParaRPr lang="en-US"/>
           </a:p>
@@ -11078,7 +11078,7 @@
           <a:p>
             <a:fld id="{A7472505-C2E4-4560-87BD-F72139D98800}" type="datetime1">
               <a:rPr lang="en-US" smtClean="0"/>
-              <a:t>5/20/2025</a:t>
+              <a:t>5/21/2025</a:t>
             </a:fld>
             <a:endParaRPr lang="en-US"/>
           </a:p>
@@ -11355,7 +11355,7 @@
           <a:p>
             <a:fld id="{688C6202-6C0C-4936-9181-C3BAC183F367}" type="datetime1">
               <a:rPr lang="en-US" smtClean="0"/>
-              <a:t>5/20/2025</a:t>
+              <a:t>5/21/2025</a:t>
             </a:fld>
             <a:endParaRPr lang="en-US"/>
           </a:p>
@@ -11604,7 +11604,7 @@
           <a:p>
             <a:fld id="{B9C3A1C5-5A4D-40F5-AA30-2E2FA551A28A}" type="datetime1">
               <a:rPr lang="en-US" smtClean="0"/>
-              <a:t>5/20/2025</a:t>
+              <a:t>5/21/2025</a:t>
             </a:fld>
             <a:endParaRPr lang="en-US"/>
           </a:p>
@@ -12057,7 +12057,7 @@
           <a:p>
             <a:fld id="{A3AFC84A-6073-47BB-AA17-B11F88B48FFC}" type="datetime1">
               <a:rPr lang="en-US" smtClean="0"/>
-              <a:t>5/20/2025</a:t>
+              <a:t>5/21/2025</a:t>
             </a:fld>
             <a:endParaRPr lang="en-US"/>
           </a:p>
@@ -12485,7 +12485,7 @@
           <a:p>
             <a:fld id="{049970C6-98BD-4B9C-9DB4-A09FCA6FDD64}" type="datetime1">
               <a:rPr lang="en-US" smtClean="0"/>
-              <a:t>5/20/2025</a:t>
+              <a:t>5/21/2025</a:t>
             </a:fld>
             <a:endParaRPr lang="en-US"/>
           </a:p>
@@ -13093,7 +13093,7 @@
           <a:p>
             <a:fld id="{F21DBC69-2876-4ACB-95B6-39F77D4C7E0D}" type="datetime1">
               <a:rPr lang="en-US" smtClean="0"/>
-              <a:t>5/20/2025</a:t>
+              <a:t>5/21/2025</a:t>
             </a:fld>
             <a:r>
               <a:rPr lang="en-US"/>
@@ -15393,7 +15393,7 @@
         <p:fade/>
       </p:transition>
     </mc:Choice>
-    <mc:Fallback xmlns:w="http://schemas.openxmlformats.org/wordprocessingml/2006/main" xmlns:m="http://schemas.openxmlformats.org/officeDocument/2006/math" xmlns="">
+    <mc:Fallback xmlns="" xmlns:m="http://schemas.openxmlformats.org/officeDocument/2006/math" xmlns:w="http://schemas.openxmlformats.org/wordprocessingml/2006/main">
       <p:transition spd="slow" advClick="1">
         <p:fade thruBlk="0"/>
       </p:transition>
@@ -16336,10 +16336,10 @@
               <a:defRPr/>
             </a:pPr>
             <a:r>
-              <a:rPr lang="de-CH" sz="1900" dirty="0"/>
-              <a:t>ersetzt durch Mittelwert</a:t>
-            </a:r>
-            <a:endParaRPr sz="1900" dirty="0"/>
+              <a:rPr lang="de-CH" sz="1700" dirty="0"/>
+              <a:t>Ersetzt durch Mittelwert</a:t>
+            </a:r>
+            <a:endParaRPr sz="1700" dirty="0"/>
           </a:p>
         </p:txBody>
       </p:sp>
@@ -17074,7 +17074,7 @@
         <p:fade/>
       </p:transition>
     </mc:Choice>
-    <mc:Fallback xmlns:w="http://schemas.openxmlformats.org/wordprocessingml/2006/main" xmlns:m="http://schemas.openxmlformats.org/officeDocument/2006/math" xmlns="">
+    <mc:Fallback xmlns="" xmlns:m="http://schemas.openxmlformats.org/officeDocument/2006/math" xmlns:w="http://schemas.openxmlformats.org/wordprocessingml/2006/main">
       <p:transition spd="slow" advClick="1">
         <p:fade thruBlk="0"/>
       </p:transition>
@@ -18892,7 +18892,7 @@
               </a:rPr>
               <a:t>Zwei definierte Merkmale:</a:t>
             </a:r>
-            <a:endParaRPr sz="1800" b="0" i="0" u="none" strike="noStrike" cap="none" spc="0" dirty="0">
+            <a:endParaRPr lang="de-CH" dirty="0">
               <a:solidFill>
                 <a:srgbClr val="000000"/>
               </a:solidFill>
@@ -18905,7 +18905,7 @@
               <a:defRPr/>
             </a:pPr>
             <a:r>
-              <a:rPr lang="de-CH" sz="1800" b="1" i="0" u="none" strike="noStrike" cap="none" spc="0" dirty="0">
+              <a:rPr lang="de-CH" b="1" i="0" u="none" strike="noStrike" cap="none" spc="0" dirty="0">
                 <a:solidFill>
                   <a:srgbClr val="000000"/>
                 </a:solidFill>
@@ -18916,7 +18916,7 @@
               <a:t>Differenz vorhanden </a:t>
             </a:r>
             <a:r>
-              <a:rPr lang="de-CH" sz="1800" b="0" i="0" u="none" strike="noStrike" cap="none" spc="0" dirty="0">
+              <a:rPr lang="de-CH" b="0" i="0" u="none" strike="noStrike" cap="none" spc="0" dirty="0">
                 <a:solidFill>
                   <a:srgbClr val="000000"/>
                 </a:solidFill>
@@ -18926,7 +18926,7 @@
               </a:rPr>
               <a:t>(ja/nein)</a:t>
             </a:r>
-            <a:endParaRPr sz="1800" b="0" i="0" u="none" strike="noStrike" cap="none" spc="0" dirty="0">
+            <a:endParaRPr lang="de-CH" sz="1800" dirty="0">
               <a:solidFill>
                 <a:srgbClr val="000000"/>
               </a:solidFill>
@@ -18936,11 +18936,7 @@
           </a:p>
           <a:p>
             <a:pPr lvl="1">
-              <a:defRPr sz="1800">
-                <a:solidFill>
-                  <a:srgbClr val="000000"/>
-                </a:solidFill>
-              </a:defRPr>
+              <a:defRPr/>
             </a:pPr>
             <a:r>
               <a:rPr lang="de-CH" sz="1800" b="1" i="0" u="none" strike="noStrike" cap="none" spc="0" dirty="0">
@@ -19131,7 +19127,7 @@
         <p:spPr bwMode="auto">
           <a:xfrm>
             <a:off x="592205" y="1842988"/>
-            <a:ext cx="11155680" cy="3767328"/>
+            <a:ext cx="5739769" cy="3767328"/>
           </a:xfrm>
         </p:spPr>
         <p:txBody>
@@ -19384,11 +19380,11 @@
               <a:defRPr/>
             </a:pPr>
             <a:r>
-              <a:rPr lang="de-DE" dirty="0"/>
+              <a:rPr lang="de-DE" sz="1900" dirty="0"/>
               <a:t>enthalten häufiger </a:t>
             </a:r>
             <a:r>
-              <a:rPr lang="de-DE" b="1" dirty="0"/>
+              <a:rPr lang="de-DE" sz="1900" b="1" dirty="0"/>
               <a:t>hochpreisige Einzelartikel</a:t>
             </a:r>
           </a:p>
@@ -19400,11 +19396,11 @@
               <a:defRPr/>
             </a:pPr>
             <a:r>
-              <a:rPr lang="de-DE" b="1" dirty="0"/>
+              <a:rPr lang="de-DE" sz="1900" b="1" dirty="0"/>
               <a:t>breitere Streuung </a:t>
             </a:r>
             <a:r>
-              <a:rPr lang="de-DE" dirty="0"/>
+              <a:rPr lang="de-DE" sz="1900" dirty="0"/>
               <a:t>bei der mittleren Zeit zwischen Scans</a:t>
             </a:r>
           </a:p>
@@ -20237,7 +20233,7 @@
             </a:pPr>
             <a:r>
               <a:rPr lang="de-DE" dirty="0"/>
-              <a:t>T-Test als Entscheidungskriterium, welche Prädiktoren signifikant sind</a:t>
+              <a:t>t-Test als Entscheidungskriterium, welche Prädiktoren signifikant sind</a:t>
             </a:r>
           </a:p>
           <a:p>
@@ -23152,13 +23148,13 @@
         </p:nvSpPr>
         <p:spPr bwMode="auto">
           <a:xfrm>
-            <a:off x="592205" y="1842988"/>
-            <a:ext cx="10783718" cy="3767328"/>
+            <a:off x="592205" y="1842987"/>
+            <a:ext cx="10783718" cy="4154689"/>
           </a:xfrm>
         </p:spPr>
         <p:txBody>
           <a:bodyPr vertOverflow="overflow" horzOverflow="overflow" vert="horz" wrap="square" lIns="91440" tIns="45720" rIns="91440" bIns="45720" numCol="1" spcCol="0" rtlCol="0" fromWordArt="0" anchor="t" anchorCtr="0" forceAA="0" compatLnSpc="0">
-            <a:normAutofit fontScale="95000" lnSpcReduction="1000"/>
+            <a:normAutofit fontScale="95000" lnSpcReduction="10000"/>
           </a:bodyPr>
           <a:lstStyle>
             <a:lvl1pPr marL="228600" indent="-228600" algn="l" defTabSz="914400">
@@ -23342,7 +23338,33 @@
             </a:pPr>
             <a:r>
               <a:rPr lang="de-DE" dirty="0"/>
-              <a:t>Gute Prognosegüte bei Klassifikation</a:t>
+              <a:t>Prognosegüte bei Klassifikation ist </a:t>
+            </a:r>
+            <a:r>
+              <a:rPr lang="de-DE" b="1" dirty="0"/>
+              <a:t>verzerrt</a:t>
+            </a:r>
+            <a:r>
+              <a:rPr lang="de-DE" dirty="0"/>
+              <a:t> durch die </a:t>
+            </a:r>
+            <a:br>
+              <a:rPr lang="de-DE" dirty="0"/>
+            </a:br>
+            <a:r>
+              <a:rPr lang="de-DE" dirty="0"/>
+              <a:t>vielen Nicht-Schadensfälle; </a:t>
+            </a:r>
+            <a:r>
+              <a:rPr lang="de-DE" b="1" dirty="0"/>
+              <a:t>bei ausgewogenem Datensatz</a:t>
+            </a:r>
+            <a:br>
+              <a:rPr lang="de-DE" b="1" dirty="0"/>
+            </a:br>
+            <a:r>
+              <a:rPr lang="de-DE" b="1" dirty="0"/>
+              <a:t>bessere Performance</a:t>
             </a:r>
           </a:p>
           <a:p>
@@ -23364,7 +23386,7 @@
             </a:pPr>
             <a:r>
               <a:rPr lang="de-DE" dirty="0"/>
-              <a:t>Weniger gute Vorhersagbarkeit der Schadenshöhe</a:t>
+              <a:t>Geringe Vorhersagbarkeit der Schadenshöhe</a:t>
             </a:r>
           </a:p>
           <a:p>
@@ -24112,7 +24134,42 @@
               <a:rPr lang="de-DE" b="1" dirty="0"/>
               <a:t>weiteren Modellaufbau</a:t>
             </a:r>
-            <a:endParaRPr b="1" dirty="0"/>
+          </a:p>
+          <a:p>
+            <a:pPr>
+              <a:defRPr sz="1800">
+                <a:solidFill>
+                  <a:srgbClr val="000000"/>
+                </a:solidFill>
+              </a:defRPr>
+            </a:pPr>
+            <a:endParaRPr lang="de-DE" b="1" dirty="0"/>
+          </a:p>
+          <a:p>
+            <a:pPr>
+              <a:defRPr sz="1800">
+                <a:solidFill>
+                  <a:srgbClr val="000000"/>
+                </a:solidFill>
+              </a:defRPr>
+            </a:pPr>
+            <a:r>
+              <a:rPr lang="de-DE" b="1" dirty="0"/>
+              <a:t>Komplexere Verfahren</a:t>
+            </a:r>
+            <a:r>
+              <a:rPr lang="de-DE" dirty="0"/>
+              <a:t> </a:t>
+            </a:r>
+            <a:r>
+              <a:rPr lang="de-DE" b="1" dirty="0"/>
+              <a:t>notwendig</a:t>
+            </a:r>
+            <a:r>
+              <a:rPr lang="de-DE" dirty="0"/>
+              <a:t>, um durchgehend gute Prognosegüte sowohl bei der Klassifikation als auch der Schadensvorhersage gut abzuschneiden</a:t>
+            </a:r>
+            <a:endParaRPr dirty="0"/>
           </a:p>
         </p:txBody>
       </p:sp>
